--- a/techtalk/CloudDNS-TechTalk-6-HandsOfContinuousIntegration.pptx
+++ b/techtalk/CloudDNS-TechTalk-6-HandsOfContinuousIntegration.pptx
@@ -236,7 +236,7 @@
             <a:fld id="{024717CF-9968-0D4D-9FC4-597B2E56B041}" type="datetimeFigureOut">
               <a:rPr lang="en-US" smtClean="0"/>
               <a:pPr/>
-              <a:t>10/24/11</a:t>
+              <a:t>10/26/11</a:t>
             </a:fld>
             <a:endParaRPr lang="en-US" dirty="0"/>
           </a:p>
@@ -404,7 +404,7 @@
             <a:fld id="{E59A0190-259B-884B-986E-E78E91DEEBF9}" type="datetimeFigureOut">
               <a:rPr lang="en-US" smtClean="0"/>
               <a:pPr/>
-              <a:t>10/24/11</a:t>
+              <a:t>10/26/11</a:t>
             </a:fld>
             <a:endParaRPr lang="en-US" dirty="0"/>
           </a:p>
@@ -718,126 +718,6 @@
           <a:bodyPr/>
           <a:lstStyle/>
           <a:p>
-            <a:r>
-              <a:rPr lang="en-US" dirty="0" smtClean="0"/>
-              <a:t>During this presentation we will cover </a:t>
-            </a:r>
-          </a:p>
-          <a:p>
-            <a:endParaRPr lang="en-US" dirty="0" smtClean="0"/>
-          </a:p>
-          <a:p>
-            <a:pPr marL="457200" indent="-457200">
-              <a:buFont typeface="Arial"/>
-              <a:buChar char="•"/>
-            </a:pPr>
-            <a:r>
-              <a:rPr lang="en-US" dirty="0" smtClean="0"/>
-              <a:t>What is Cloud DNS?</a:t>
-            </a:r>
-          </a:p>
-          <a:p>
-            <a:pPr marL="457200" indent="-457200">
-              <a:buFont typeface="Arial"/>
-              <a:buChar char="•"/>
-            </a:pPr>
-            <a:endParaRPr lang="en-US" dirty="0" smtClean="0"/>
-          </a:p>
-          <a:p>
-            <a:pPr marL="457200" indent="-457200">
-              <a:buFont typeface="Arial"/>
-              <a:buChar char="•"/>
-            </a:pPr>
-            <a:r>
-              <a:rPr lang="en-US" dirty="0" smtClean="0"/>
-              <a:t>What new features and benefits are we offering customers?</a:t>
-            </a:r>
-          </a:p>
-          <a:p>
-            <a:pPr marL="457200" indent="-457200">
-              <a:buFont typeface="Arial"/>
-              <a:buChar char="•"/>
-            </a:pPr>
-            <a:endParaRPr lang="en-US" dirty="0" smtClean="0"/>
-          </a:p>
-          <a:p>
-            <a:pPr marL="457200" indent="-457200">
-              <a:buFont typeface="Arial"/>
-              <a:buChar char="•"/>
-            </a:pPr>
-            <a:r>
-              <a:rPr lang="en-US" dirty="0" smtClean="0"/>
-              <a:t>Who is this for?</a:t>
-            </a:r>
-          </a:p>
-          <a:p>
-            <a:pPr marL="457200" indent="-457200">
-              <a:buFont typeface="Arial"/>
-              <a:buChar char="•"/>
-            </a:pPr>
-            <a:endParaRPr lang="en-US" dirty="0" smtClean="0"/>
-          </a:p>
-          <a:p>
-            <a:pPr marL="457200" indent="-457200">
-              <a:buFont typeface="Arial"/>
-              <a:buChar char="•"/>
-            </a:pPr>
-            <a:r>
-              <a:rPr lang="en-US" dirty="0" smtClean="0"/>
-              <a:t>When does it launch?</a:t>
-            </a:r>
-          </a:p>
-          <a:p>
-            <a:pPr marL="457200" indent="-457200">
-              <a:buFont typeface="Arial"/>
-              <a:buChar char="•"/>
-            </a:pPr>
-            <a:endParaRPr lang="en-US" dirty="0" smtClean="0"/>
-          </a:p>
-          <a:p>
-            <a:pPr marL="457200" indent="-457200">
-              <a:buFont typeface="Arial"/>
-              <a:buChar char="•"/>
-            </a:pPr>
-            <a:r>
-              <a:rPr lang="en-US" dirty="0" smtClean="0"/>
-              <a:t>How much does it cost?</a:t>
-            </a:r>
-          </a:p>
-          <a:p>
-            <a:pPr marL="457200" indent="-457200">
-              <a:buFont typeface="Arial"/>
-              <a:buChar char="•"/>
-            </a:pPr>
-            <a:endParaRPr lang="en-US" dirty="0" smtClean="0"/>
-          </a:p>
-          <a:p>
-            <a:pPr marL="457200" indent="-457200">
-              <a:buFont typeface="Arial"/>
-              <a:buChar char="•"/>
-            </a:pPr>
-            <a:r>
-              <a:rPr lang="en-US" dirty="0" smtClean="0"/>
-              <a:t>How does my customer get it?</a:t>
-            </a:r>
-          </a:p>
-          <a:p>
-            <a:pPr marL="0" indent="0">
-              <a:buNone/>
-            </a:pPr>
-            <a:endParaRPr lang="en-US" dirty="0" smtClean="0"/>
-          </a:p>
-          <a:p>
-            <a:pPr marL="457200" indent="-457200">
-              <a:buFont typeface="Arial"/>
-              <a:buChar char="•"/>
-            </a:pPr>
-            <a:r>
-              <a:rPr lang="en-US" dirty="0" smtClean="0"/>
-              <a:t>Who do I contact for questions?</a:t>
-            </a:r>
-          </a:p>
-          <a:p>
             <a:endParaRPr lang="en-US" dirty="0"/>
           </a:p>
         </p:txBody>
@@ -922,126 +802,6 @@
         <p:txBody>
           <a:bodyPr/>
           <a:lstStyle/>
-          <a:p>
-            <a:r>
-              <a:rPr lang="en-US" dirty="0" smtClean="0"/>
-              <a:t>During this presentation we will cover </a:t>
-            </a:r>
-          </a:p>
-          <a:p>
-            <a:endParaRPr lang="en-US" dirty="0" smtClean="0"/>
-          </a:p>
-          <a:p>
-            <a:pPr marL="457200" indent="-457200">
-              <a:buFont typeface="Arial"/>
-              <a:buChar char="•"/>
-            </a:pPr>
-            <a:r>
-              <a:rPr lang="en-US" dirty="0" smtClean="0"/>
-              <a:t>What is Cloud DNS?</a:t>
-            </a:r>
-          </a:p>
-          <a:p>
-            <a:pPr marL="457200" indent="-457200">
-              <a:buFont typeface="Arial"/>
-              <a:buChar char="•"/>
-            </a:pPr>
-            <a:endParaRPr lang="en-US" dirty="0" smtClean="0"/>
-          </a:p>
-          <a:p>
-            <a:pPr marL="457200" indent="-457200">
-              <a:buFont typeface="Arial"/>
-              <a:buChar char="•"/>
-            </a:pPr>
-            <a:r>
-              <a:rPr lang="en-US" dirty="0" smtClean="0"/>
-              <a:t>What new features and benefits are we offering customers?</a:t>
-            </a:r>
-          </a:p>
-          <a:p>
-            <a:pPr marL="457200" indent="-457200">
-              <a:buFont typeface="Arial"/>
-              <a:buChar char="•"/>
-            </a:pPr>
-            <a:endParaRPr lang="en-US" dirty="0" smtClean="0"/>
-          </a:p>
-          <a:p>
-            <a:pPr marL="457200" indent="-457200">
-              <a:buFont typeface="Arial"/>
-              <a:buChar char="•"/>
-            </a:pPr>
-            <a:r>
-              <a:rPr lang="en-US" dirty="0" smtClean="0"/>
-              <a:t>Who is this for?</a:t>
-            </a:r>
-          </a:p>
-          <a:p>
-            <a:pPr marL="457200" indent="-457200">
-              <a:buFont typeface="Arial"/>
-              <a:buChar char="•"/>
-            </a:pPr>
-            <a:endParaRPr lang="en-US" dirty="0" smtClean="0"/>
-          </a:p>
-          <a:p>
-            <a:pPr marL="457200" indent="-457200">
-              <a:buFont typeface="Arial"/>
-              <a:buChar char="•"/>
-            </a:pPr>
-            <a:r>
-              <a:rPr lang="en-US" dirty="0" smtClean="0"/>
-              <a:t>When does it launch?</a:t>
-            </a:r>
-          </a:p>
-          <a:p>
-            <a:pPr marL="457200" indent="-457200">
-              <a:buFont typeface="Arial"/>
-              <a:buChar char="•"/>
-            </a:pPr>
-            <a:endParaRPr lang="en-US" dirty="0" smtClean="0"/>
-          </a:p>
-          <a:p>
-            <a:pPr marL="457200" indent="-457200">
-              <a:buFont typeface="Arial"/>
-              <a:buChar char="•"/>
-            </a:pPr>
-            <a:r>
-              <a:rPr lang="en-US" dirty="0" smtClean="0"/>
-              <a:t>How much does it cost?</a:t>
-            </a:r>
-          </a:p>
-          <a:p>
-            <a:pPr marL="457200" indent="-457200">
-              <a:buFont typeface="Arial"/>
-              <a:buChar char="•"/>
-            </a:pPr>
-            <a:endParaRPr lang="en-US" dirty="0" smtClean="0"/>
-          </a:p>
-          <a:p>
-            <a:pPr marL="457200" indent="-457200">
-              <a:buFont typeface="Arial"/>
-              <a:buChar char="•"/>
-            </a:pPr>
-            <a:r>
-              <a:rPr lang="en-US" dirty="0" smtClean="0"/>
-              <a:t>How does my customer get it?</a:t>
-            </a:r>
-          </a:p>
-          <a:p>
-            <a:pPr marL="0" indent="0">
-              <a:buNone/>
-            </a:pPr>
-            <a:endParaRPr lang="en-US" dirty="0" smtClean="0"/>
-          </a:p>
-          <a:p>
-            <a:pPr marL="457200" indent="-457200">
-              <a:buFont typeface="Arial"/>
-              <a:buChar char="•"/>
-            </a:pPr>
-            <a:r>
-              <a:rPr lang="en-US" dirty="0" smtClean="0"/>
-              <a:t>Who do I contact for questions?</a:t>
-            </a:r>
-          </a:p>
           <a:p>
             <a:endParaRPr lang="en-US" dirty="0"/>
           </a:p>

--- a/techtalk/CloudDNS-TechTalk-6-HandsOfContinuousIntegration.pptx
+++ b/techtalk/CloudDNS-TechTalk-6-HandsOfContinuousIntegration.pptx
@@ -5,14 +5,15 @@
     <p:sldMasterId id="2147483649" r:id="rId4"/>
   </p:sldMasterIdLst>
   <p:notesMasterIdLst>
-    <p:notesMasterId r:id="rId7"/>
+    <p:notesMasterId r:id="rId8"/>
   </p:notesMasterIdLst>
   <p:handoutMasterIdLst>
-    <p:handoutMasterId r:id="rId8"/>
+    <p:handoutMasterId r:id="rId9"/>
   </p:handoutMasterIdLst>
   <p:sldIdLst>
     <p:sldId id="280" r:id="rId5"/>
     <p:sldId id="298" r:id="rId6"/>
+    <p:sldId id="299" r:id="rId7"/>
   </p:sldIdLst>
   <p:sldSz cx="9144000" cy="6858000" type="screen4x3"/>
   <p:notesSz cx="6858000" cy="9144000"/>
@@ -3928,36 +3929,6 @@
       </p:sp>
       <p:sp>
         <p:nvSpPr>
-          <p:cNvPr id="3" name="Content Placeholder 2"/>
-          <p:cNvSpPr>
-            <a:spLocks noGrp="1"/>
-          </p:cNvSpPr>
-          <p:nvPr>
-            <p:ph idx="1"/>
-          </p:nvPr>
-        </p:nvSpPr>
-        <p:spPr/>
-        <p:txBody>
-          <a:bodyPr>
-            <a:normAutofit/>
-          </a:bodyPr>
-          <a:lstStyle/>
-          <a:p>
-            <a:pPr marL="0" indent="0">
-              <a:buNone/>
-            </a:pPr>
-            <a:endParaRPr lang="en-US" dirty="0"/>
-          </a:p>
-          <a:p>
-            <a:pPr marL="0" indent="0">
-              <a:buNone/>
-            </a:pPr>
-            <a:endParaRPr lang="en-US" dirty="0"/>
-          </a:p>
-        </p:txBody>
-      </p:sp>
-      <p:sp>
-        <p:nvSpPr>
           <p:cNvPr id="4" name="Slide Number Placeholder 3"/>
           <p:cNvSpPr>
             <a:spLocks noGrp="1"/>
@@ -3985,6 +3956,685 @@
           </a:p>
         </p:txBody>
       </p:sp>
+      <p:sp>
+        <p:nvSpPr>
+          <p:cNvPr id="5" name="TextBox 4"/>
+          <p:cNvSpPr txBox="1"/>
+          <p:nvPr/>
+        </p:nvSpPr>
+        <p:spPr>
+          <a:xfrm>
+            <a:off x="457200" y="1595735"/>
+            <a:ext cx="1371600" cy="923330"/>
+          </a:xfrm>
+          <a:prstGeom prst="rect">
+            <a:avLst/>
+          </a:prstGeom>
+          <a:noFill/>
+          <a:ln>
+            <a:solidFill>
+              <a:schemeClr val="tx1"/>
+            </a:solidFill>
+          </a:ln>
+        </p:spPr>
+        <p:txBody>
+          <a:bodyPr wrap="square" rtlCol="0" anchor="ctr" anchorCtr="0">
+            <a:spAutoFit/>
+          </a:bodyPr>
+          <a:lstStyle/>
+          <a:p>
+            <a:r>
+              <a:rPr lang="en-US" sz="1800" dirty="0" smtClean="0"/>
+              <a:t>Platform Jenkins CI Server </a:t>
+            </a:r>
+            <a:endParaRPr lang="en-US" sz="1800" dirty="0"/>
+          </a:p>
+        </p:txBody>
+      </p:sp>
+      <p:pic>
+        <p:nvPicPr>
+          <p:cNvPr id="6" name="Picture 5"/>
+          <p:cNvPicPr>
+            <a:picLocks noChangeAspect="1"/>
+          </p:cNvPicPr>
+          <p:nvPr/>
+        </p:nvPicPr>
+        <p:blipFill>
+          <a:blip r:embed="rId3">
+            <a:alphaModFix amt="43000"/>
+          </a:blip>
+          <a:stretch>
+            <a:fillRect/>
+          </a:stretch>
+        </p:blipFill>
+        <p:spPr>
+          <a:xfrm>
+            <a:off x="5334000" y="3200400"/>
+            <a:ext cx="3810000" cy="3213100"/>
+          </a:xfrm>
+          <a:prstGeom prst="rect">
+            <a:avLst/>
+          </a:prstGeom>
+        </p:spPr>
+      </p:pic>
+      <p:sp>
+        <p:nvSpPr>
+          <p:cNvPr id="7" name="TextBox 6"/>
+          <p:cNvSpPr txBox="1"/>
+          <p:nvPr/>
+        </p:nvSpPr>
+        <p:spPr>
+          <a:xfrm>
+            <a:off x="457200" y="2971800"/>
+            <a:ext cx="1371600" cy="646331"/>
+          </a:xfrm>
+          <a:prstGeom prst="rect">
+            <a:avLst/>
+          </a:prstGeom>
+          <a:noFill/>
+          <a:ln>
+            <a:solidFill>
+              <a:schemeClr val="tx1"/>
+            </a:solidFill>
+          </a:ln>
+        </p:spPr>
+        <p:txBody>
+          <a:bodyPr wrap="square" rtlCol="0" anchor="ctr" anchorCtr="0">
+            <a:spAutoFit/>
+          </a:bodyPr>
+          <a:lstStyle/>
+          <a:p>
+            <a:r>
+              <a:rPr lang="en-US" sz="1800" dirty="0" smtClean="0"/>
+              <a:t>Platform </a:t>
+            </a:r>
+            <a:r>
+              <a:rPr lang="en-US" sz="1800" dirty="0" err="1" smtClean="0"/>
+              <a:t>Git</a:t>
+            </a:r>
+            <a:r>
+              <a:rPr lang="en-US" sz="1800" dirty="0" smtClean="0"/>
+              <a:t> Repository</a:t>
+            </a:r>
+            <a:endParaRPr lang="en-US" sz="1800" dirty="0"/>
+          </a:p>
+        </p:txBody>
+      </p:sp>
+      <p:sp>
+        <p:nvSpPr>
+          <p:cNvPr id="8" name="TextBox 7"/>
+          <p:cNvSpPr txBox="1"/>
+          <p:nvPr/>
+        </p:nvSpPr>
+        <p:spPr>
+          <a:xfrm>
+            <a:off x="457200" y="4191000"/>
+            <a:ext cx="1371600" cy="923330"/>
+          </a:xfrm>
+          <a:prstGeom prst="rect">
+            <a:avLst/>
+          </a:prstGeom>
+          <a:noFill/>
+          <a:ln>
+            <a:solidFill>
+              <a:schemeClr val="tx1"/>
+            </a:solidFill>
+          </a:ln>
+        </p:spPr>
+        <p:txBody>
+          <a:bodyPr wrap="square" rtlCol="0" anchor="ctr" anchorCtr="0">
+            <a:spAutoFit/>
+          </a:bodyPr>
+          <a:lstStyle/>
+          <a:p>
+            <a:r>
+              <a:rPr lang="en-US" sz="1800" dirty="0" smtClean="0"/>
+              <a:t>Platform Maven Repository</a:t>
+            </a:r>
+            <a:endParaRPr lang="en-US" sz="1800" dirty="0"/>
+          </a:p>
+        </p:txBody>
+      </p:sp>
+      <p:sp>
+        <p:nvSpPr>
+          <p:cNvPr id="16" name="TextBox 15"/>
+          <p:cNvSpPr txBox="1"/>
+          <p:nvPr/>
+        </p:nvSpPr>
+        <p:spPr>
+          <a:xfrm>
+            <a:off x="5943600" y="1752600"/>
+            <a:ext cx="2133600" cy="1600200"/>
+          </a:xfrm>
+          <a:prstGeom prst="rect">
+            <a:avLst/>
+          </a:prstGeom>
+          <a:noFill/>
+          <a:ln>
+            <a:solidFill>
+              <a:schemeClr val="tx1"/>
+            </a:solidFill>
+          </a:ln>
+        </p:spPr>
+        <p:txBody>
+          <a:bodyPr wrap="none" rtlCol="0">
+            <a:normAutofit/>
+          </a:bodyPr>
+          <a:lstStyle/>
+          <a:p>
+            <a:r>
+              <a:rPr lang="en-US" sz="1800" dirty="0" smtClean="0"/>
+              <a:t>Target SMX Node</a:t>
+            </a:r>
+            <a:endParaRPr lang="en-US" sz="1800" dirty="0"/>
+          </a:p>
+        </p:txBody>
+      </p:sp>
+      <p:grpSp>
+        <p:nvGrpSpPr>
+          <p:cNvPr id="21" name="Group 20"/>
+          <p:cNvGrpSpPr/>
+          <p:nvPr/>
+        </p:nvGrpSpPr>
+        <p:grpSpPr>
+          <a:xfrm>
+            <a:off x="2743200" y="1981200"/>
+            <a:ext cx="2307166" cy="2743200"/>
+            <a:chOff x="2590800" y="1752600"/>
+            <a:chExt cx="2307166" cy="2743200"/>
+          </a:xfrm>
+        </p:grpSpPr>
+        <p:sp>
+          <p:nvSpPr>
+            <p:cNvPr id="9" name="TextBox 8"/>
+            <p:cNvSpPr txBox="1"/>
+            <p:nvPr/>
+          </p:nvSpPr>
+          <p:spPr>
+            <a:xfrm>
+              <a:off x="2590800" y="1752600"/>
+              <a:ext cx="2307166" cy="2743200"/>
+            </a:xfrm>
+            <a:prstGeom prst="rect">
+              <a:avLst/>
+            </a:prstGeom>
+            <a:noFill/>
+            <a:ln>
+              <a:solidFill>
+                <a:schemeClr val="tx1"/>
+              </a:solidFill>
+            </a:ln>
+          </p:spPr>
+          <p:txBody>
+            <a:bodyPr wrap="square" rtlCol="0" anchor="t" anchorCtr="0">
+              <a:noAutofit/>
+            </a:bodyPr>
+            <a:lstStyle/>
+            <a:p>
+              <a:r>
+                <a:rPr lang="en-US" sz="1800" dirty="0" smtClean="0"/>
+                <a:t>Platform Apt Repository</a:t>
+              </a:r>
+              <a:endParaRPr lang="en-US" sz="1800" dirty="0"/>
+            </a:p>
+          </p:txBody>
+        </p:sp>
+        <p:sp>
+          <p:nvSpPr>
+            <p:cNvPr id="10" name="TextBox 9"/>
+            <p:cNvSpPr txBox="1"/>
+            <p:nvPr/>
+          </p:nvSpPr>
+          <p:spPr>
+            <a:xfrm>
+              <a:off x="2601383" y="2374902"/>
+              <a:ext cx="2286000" cy="338554"/>
+            </a:xfrm>
+            <a:prstGeom prst="rect">
+              <a:avLst/>
+            </a:prstGeom>
+            <a:noFill/>
+            <a:ln>
+              <a:solidFill>
+                <a:schemeClr val="tx1"/>
+              </a:solidFill>
+            </a:ln>
+          </p:spPr>
+          <p:txBody>
+            <a:bodyPr wrap="square" rtlCol="0">
+              <a:spAutoFit/>
+            </a:bodyPr>
+            <a:lstStyle/>
+            <a:p>
+              <a:r>
+                <a:rPr lang="en-US" sz="1600" dirty="0" smtClean="0"/>
+                <a:t>DEV Repo</a:t>
+              </a:r>
+              <a:endParaRPr lang="en-US" sz="1600" dirty="0"/>
+            </a:p>
+          </p:txBody>
+        </p:sp>
+        <p:sp>
+          <p:nvSpPr>
+            <p:cNvPr id="11" name="TextBox 10"/>
+            <p:cNvSpPr txBox="1"/>
+            <p:nvPr/>
+          </p:nvSpPr>
+          <p:spPr>
+            <a:xfrm>
+              <a:off x="2601383" y="2743314"/>
+              <a:ext cx="2286000" cy="338554"/>
+            </a:xfrm>
+            <a:prstGeom prst="rect">
+              <a:avLst/>
+            </a:prstGeom>
+            <a:noFill/>
+            <a:ln>
+              <a:solidFill>
+                <a:schemeClr val="tx1"/>
+              </a:solidFill>
+            </a:ln>
+          </p:spPr>
+          <p:txBody>
+            <a:bodyPr wrap="square" rtlCol="0">
+              <a:spAutoFit/>
+            </a:bodyPr>
+            <a:lstStyle/>
+            <a:p>
+              <a:r>
+                <a:rPr lang="en-US" sz="1600" dirty="0" smtClean="0"/>
+                <a:t>QA Repo</a:t>
+              </a:r>
+              <a:endParaRPr lang="en-US" sz="1600" dirty="0"/>
+            </a:p>
+          </p:txBody>
+        </p:sp>
+        <p:sp>
+          <p:nvSpPr>
+            <p:cNvPr id="12" name="TextBox 11"/>
+            <p:cNvSpPr txBox="1"/>
+            <p:nvPr/>
+          </p:nvSpPr>
+          <p:spPr>
+            <a:xfrm>
+              <a:off x="2601383" y="3113617"/>
+              <a:ext cx="2286000" cy="338554"/>
+            </a:xfrm>
+            <a:prstGeom prst="rect">
+              <a:avLst/>
+            </a:prstGeom>
+            <a:noFill/>
+            <a:ln>
+              <a:solidFill>
+                <a:schemeClr val="tx1"/>
+              </a:solidFill>
+            </a:ln>
+          </p:spPr>
+          <p:txBody>
+            <a:bodyPr wrap="square" rtlCol="0">
+              <a:spAutoFit/>
+            </a:bodyPr>
+            <a:lstStyle/>
+            <a:p>
+              <a:r>
+                <a:rPr lang="en-US" sz="1600" dirty="0" smtClean="0"/>
+                <a:t>Staging Repo</a:t>
+              </a:r>
+              <a:endParaRPr lang="en-US" sz="1600" dirty="0"/>
+            </a:p>
+          </p:txBody>
+        </p:sp>
+        <p:sp>
+          <p:nvSpPr>
+            <p:cNvPr id="13" name="TextBox 12"/>
+            <p:cNvSpPr txBox="1"/>
+            <p:nvPr/>
+          </p:nvSpPr>
+          <p:spPr>
+            <a:xfrm>
+              <a:off x="2601383" y="3484034"/>
+              <a:ext cx="2286000" cy="338554"/>
+            </a:xfrm>
+            <a:prstGeom prst="rect">
+              <a:avLst/>
+            </a:prstGeom>
+            <a:noFill/>
+            <a:ln>
+              <a:solidFill>
+                <a:schemeClr val="tx1"/>
+              </a:solidFill>
+            </a:ln>
+          </p:spPr>
+          <p:txBody>
+            <a:bodyPr wrap="square" rtlCol="0">
+              <a:spAutoFit/>
+            </a:bodyPr>
+            <a:lstStyle/>
+            <a:p>
+              <a:r>
+                <a:rPr lang="en-US" sz="1600" dirty="0" smtClean="0"/>
+                <a:t>Production Repo</a:t>
+              </a:r>
+              <a:endParaRPr lang="en-US" sz="1600" dirty="0"/>
+            </a:p>
+          </p:txBody>
+        </p:sp>
+        <p:sp>
+          <p:nvSpPr>
+            <p:cNvPr id="17" name="TextBox 16"/>
+            <p:cNvSpPr txBox="1"/>
+            <p:nvPr/>
+          </p:nvSpPr>
+          <p:spPr>
+            <a:xfrm>
+              <a:off x="2590800" y="3865034"/>
+              <a:ext cx="2286000" cy="609600"/>
+            </a:xfrm>
+            <a:prstGeom prst="rect">
+              <a:avLst/>
+            </a:prstGeom>
+            <a:noFill/>
+            <a:ln>
+              <a:solidFill>
+                <a:schemeClr val="tx1"/>
+              </a:solidFill>
+            </a:ln>
+          </p:spPr>
+          <p:txBody>
+            <a:bodyPr wrap="square" rtlCol="0">
+              <a:normAutofit/>
+            </a:bodyPr>
+            <a:lstStyle/>
+            <a:p>
+              <a:r>
+                <a:rPr lang="en-US" sz="1600" dirty="0" smtClean="0"/>
+                <a:t>Custom Repository Import Scripts</a:t>
+              </a:r>
+              <a:endParaRPr lang="en-US" sz="1600" dirty="0"/>
+            </a:p>
+          </p:txBody>
+        </p:sp>
+      </p:grpSp>
+      <p:sp>
+        <p:nvSpPr>
+          <p:cNvPr id="18" name="TextBox 17"/>
+          <p:cNvSpPr txBox="1"/>
+          <p:nvPr/>
+        </p:nvSpPr>
+        <p:spPr>
+          <a:xfrm>
+            <a:off x="5943600" y="2209800"/>
+            <a:ext cx="2133600" cy="338554"/>
+          </a:xfrm>
+          <a:prstGeom prst="rect">
+            <a:avLst/>
+          </a:prstGeom>
+          <a:noFill/>
+          <a:ln>
+            <a:solidFill>
+              <a:schemeClr val="tx1"/>
+            </a:solidFill>
+          </a:ln>
+        </p:spPr>
+        <p:txBody>
+          <a:bodyPr wrap="square" rtlCol="0">
+            <a:spAutoFit/>
+          </a:bodyPr>
+          <a:lstStyle/>
+          <a:p>
+            <a:r>
+              <a:rPr lang="en-US" sz="1600" dirty="0" err="1" smtClean="0"/>
+              <a:t>Cron</a:t>
+            </a:r>
+            <a:endParaRPr lang="en-US" sz="1600" dirty="0"/>
+          </a:p>
+        </p:txBody>
+      </p:sp>
+      <p:sp>
+        <p:nvSpPr>
+          <p:cNvPr id="19" name="TextBox 18"/>
+          <p:cNvSpPr txBox="1"/>
+          <p:nvPr/>
+        </p:nvSpPr>
+        <p:spPr>
+          <a:xfrm>
+            <a:off x="5943600" y="2580331"/>
+            <a:ext cx="2133600" cy="338554"/>
+          </a:xfrm>
+          <a:prstGeom prst="rect">
+            <a:avLst/>
+          </a:prstGeom>
+          <a:noFill/>
+          <a:ln>
+            <a:solidFill>
+              <a:schemeClr val="tx1"/>
+            </a:solidFill>
+          </a:ln>
+        </p:spPr>
+        <p:txBody>
+          <a:bodyPr wrap="square" rtlCol="0">
+            <a:spAutoFit/>
+          </a:bodyPr>
+          <a:lstStyle/>
+          <a:p>
+            <a:r>
+              <a:rPr lang="en-US" sz="1600" dirty="0" smtClean="0"/>
+              <a:t>Puppet</a:t>
+            </a:r>
+            <a:endParaRPr lang="en-US" sz="1600" dirty="0"/>
+          </a:p>
+        </p:txBody>
+      </p:sp>
+      <p:sp>
+        <p:nvSpPr>
+          <p:cNvPr id="20" name="TextBox 19"/>
+          <p:cNvSpPr txBox="1"/>
+          <p:nvPr/>
+        </p:nvSpPr>
+        <p:spPr>
+          <a:xfrm>
+            <a:off x="5943600" y="2961331"/>
+            <a:ext cx="2133600" cy="338554"/>
+          </a:xfrm>
+          <a:prstGeom prst="rect">
+            <a:avLst/>
+          </a:prstGeom>
+          <a:noFill/>
+          <a:ln>
+            <a:solidFill>
+              <a:schemeClr val="tx1"/>
+            </a:solidFill>
+          </a:ln>
+        </p:spPr>
+        <p:txBody>
+          <a:bodyPr wrap="square" rtlCol="0">
+            <a:spAutoFit/>
+          </a:bodyPr>
+          <a:lstStyle/>
+          <a:p>
+            <a:r>
+              <a:rPr lang="en-US" sz="1600" dirty="0" smtClean="0"/>
+              <a:t>Apt</a:t>
+            </a:r>
+            <a:endParaRPr lang="en-US" sz="1600" dirty="0"/>
+          </a:p>
+        </p:txBody>
+      </p:sp>
+      <p:cxnSp>
+        <p:nvCxnSpPr>
+          <p:cNvPr id="23" name="Straight Arrow Connector 22"/>
+          <p:cNvCxnSpPr>
+            <a:stCxn id="5" idx="2"/>
+            <a:endCxn id="7" idx="0"/>
+          </p:cNvCxnSpPr>
+          <p:nvPr/>
+        </p:nvCxnSpPr>
+        <p:spPr bwMode="auto">
+          <a:xfrm>
+            <a:off x="1143000" y="2519065"/>
+            <a:ext cx="0" cy="452735"/>
+          </a:xfrm>
+          <a:prstGeom prst="straightConnector1">
+            <a:avLst/>
+          </a:prstGeom>
+          <a:solidFill>
+            <a:schemeClr val="accent1"/>
+          </a:solidFill>
+          <a:ln w="25400" cap="flat" cmpd="sng" algn="ctr">
+            <a:solidFill>
+              <a:srgbClr val="000000"/>
+            </a:solidFill>
+            <a:prstDash val="solid"/>
+            <a:round/>
+            <a:headEnd type="arrow"/>
+            <a:tailEnd type="arrow"/>
+          </a:ln>
+          <a:effectLst/>
+          <a:extLst>
+            <a:ext uri="{AF507438-7753-43e0-B8FC-AC1667EBCBE1}">
+              <a14:hiddenEffects xmlns:a14="http://schemas.microsoft.com/office/drawing/2010/main">
+                <a:effectLst>
+                  <a:outerShdw blurRad="63500" dist="38099" dir="2700000" algn="ctr" rotWithShape="0">
+                    <a:schemeClr val="bg2">
+                      <a:alpha val="74998"/>
+                    </a:schemeClr>
+                  </a:outerShdw>
+                </a:effectLst>
+              </a14:hiddenEffects>
+            </a:ext>
+          </a:extLst>
+        </p:spPr>
+      </p:cxnSp>
+      <p:cxnSp>
+        <p:nvCxnSpPr>
+          <p:cNvPr id="27" name="Straight Arrow Connector 26"/>
+          <p:cNvCxnSpPr/>
+          <p:nvPr/>
+        </p:nvCxnSpPr>
+        <p:spPr bwMode="auto">
+          <a:xfrm>
+            <a:off x="5029200" y="2133600"/>
+            <a:ext cx="914400" cy="0"/>
+          </a:xfrm>
+          <a:prstGeom prst="straightConnector1">
+            <a:avLst/>
+          </a:prstGeom>
+          <a:solidFill>
+            <a:schemeClr val="accent1"/>
+          </a:solidFill>
+          <a:ln w="25400" cap="flat" cmpd="sng" algn="ctr">
+            <a:solidFill>
+              <a:srgbClr val="000000"/>
+            </a:solidFill>
+            <a:prstDash val="solid"/>
+            <a:round/>
+            <a:headEnd type="arrow"/>
+            <a:tailEnd type="arrow"/>
+          </a:ln>
+          <a:effectLst/>
+          <a:extLst>
+            <a:ext uri="{AF507438-7753-43e0-B8FC-AC1667EBCBE1}">
+              <a14:hiddenEffects xmlns:a14="http://schemas.microsoft.com/office/drawing/2010/main">
+                <a:effectLst>
+                  <a:outerShdw blurRad="63500" dist="38099" dir="2700000" algn="ctr" rotWithShape="0">
+                    <a:schemeClr val="bg2">
+                      <a:alpha val="74998"/>
+                    </a:schemeClr>
+                  </a:outerShdw>
+                </a:effectLst>
+              </a14:hiddenEffects>
+            </a:ext>
+          </a:extLst>
+        </p:spPr>
+      </p:cxnSp>
+      <p:cxnSp>
+        <p:nvCxnSpPr>
+          <p:cNvPr id="29" name="Straight Arrow Connector 28"/>
+          <p:cNvCxnSpPr>
+            <a:stCxn id="5" idx="3"/>
+          </p:cNvCxnSpPr>
+          <p:nvPr/>
+        </p:nvCxnSpPr>
+        <p:spPr bwMode="auto">
+          <a:xfrm>
+            <a:off x="1828800" y="2057400"/>
+            <a:ext cx="914400" cy="0"/>
+          </a:xfrm>
+          <a:prstGeom prst="straightConnector1">
+            <a:avLst/>
+          </a:prstGeom>
+          <a:solidFill>
+            <a:schemeClr val="accent1"/>
+          </a:solidFill>
+          <a:ln w="25400" cap="flat" cmpd="sng" algn="ctr">
+            <a:solidFill>
+              <a:srgbClr val="000000"/>
+            </a:solidFill>
+            <a:prstDash val="solid"/>
+            <a:round/>
+            <a:headEnd type="none" w="med" len="med"/>
+            <a:tailEnd type="arrow"/>
+          </a:ln>
+          <a:effectLst/>
+          <a:extLst>
+            <a:ext uri="{AF507438-7753-43e0-B8FC-AC1667EBCBE1}">
+              <a14:hiddenEffects xmlns:a14="http://schemas.microsoft.com/office/drawing/2010/main">
+                <a:effectLst>
+                  <a:outerShdw blurRad="63500" dist="38099" dir="2700000" algn="ctr" rotWithShape="0">
+                    <a:schemeClr val="bg2">
+                      <a:alpha val="74998"/>
+                    </a:schemeClr>
+                  </a:outerShdw>
+                </a:effectLst>
+              </a14:hiddenEffects>
+            </a:ext>
+          </a:extLst>
+        </p:spPr>
+      </p:cxnSp>
+      <p:cxnSp>
+        <p:nvCxnSpPr>
+          <p:cNvPr id="31" name="Elbow Connector 30"/>
+          <p:cNvCxnSpPr>
+            <a:endCxn id="8" idx="3"/>
+          </p:cNvCxnSpPr>
+          <p:nvPr/>
+        </p:nvCxnSpPr>
+        <p:spPr bwMode="auto">
+          <a:xfrm rot="5400000">
+            <a:off x="759768" y="3126432"/>
+            <a:ext cx="2595265" cy="457200"/>
+          </a:xfrm>
+          <a:prstGeom prst="bentConnector2">
+            <a:avLst/>
+          </a:prstGeom>
+          <a:solidFill>
+            <a:schemeClr val="accent1"/>
+          </a:solidFill>
+          <a:ln w="25400" cap="flat" cmpd="sng" algn="ctr">
+            <a:solidFill>
+              <a:srgbClr val="000000"/>
+            </a:solidFill>
+            <a:prstDash val="solid"/>
+            <a:round/>
+            <a:headEnd type="none" w="med" len="med"/>
+            <a:tailEnd type="arrow"/>
+          </a:ln>
+          <a:effectLst/>
+          <a:extLst>
+            <a:ext uri="{AF507438-7753-43e0-B8FC-AC1667EBCBE1}">
+              <a14:hiddenEffects xmlns:a14="http://schemas.microsoft.com/office/drawing/2010/main">
+                <a:effectLst>
+                  <a:outerShdw blurRad="63500" dist="38099" dir="2700000" algn="ctr" rotWithShape="0">
+                    <a:schemeClr val="bg2">
+                      <a:alpha val="74998"/>
+                    </a:schemeClr>
+                  </a:outerShdw>
+                </a:effectLst>
+              </a14:hiddenEffects>
+            </a:ext>
+          </a:extLst>
+        </p:spPr>
+      </p:cxnSp>
     </p:spTree>
     <p:extLst>
       <p:ext uri="{BB962C8B-B14F-4D97-AF65-F5344CB8AC3E}">
@@ -4053,7 +4703,7 @@
             <a:spLocks noGrp="1"/>
           </p:cNvSpPr>
           <p:nvPr>
-            <p:ph idx="1"/>
+            <p:ph type="body" orient="vert" idx="1"/>
           </p:nvPr>
         </p:nvSpPr>
         <p:spPr/>
@@ -4101,6 +4751,60 @@
               </a:pPr>
               <a:t>2</a:t>
             </a:fld>
+            <a:endParaRPr lang="en-US" dirty="0"/>
+          </a:p>
+        </p:txBody>
+      </p:sp>
+      <p:sp>
+        <p:nvSpPr>
+          <p:cNvPr id="5" name="TextBox 4"/>
+          <p:cNvSpPr txBox="1"/>
+          <p:nvPr/>
+        </p:nvSpPr>
+        <p:spPr>
+          <a:xfrm>
+            <a:off x="457200" y="1371600"/>
+            <a:ext cx="8229600" cy="4876800"/>
+          </a:xfrm>
+          <a:prstGeom prst="rect">
+            <a:avLst/>
+          </a:prstGeom>
+          <a:noFill/>
+        </p:spPr>
+        <p:txBody>
+          <a:bodyPr wrap="square" rtlCol="0">
+            <a:normAutofit/>
+          </a:bodyPr>
+          <a:lstStyle/>
+          <a:p>
+            <a:pPr marL="571500" indent="-571500" algn="l">
+              <a:buFont typeface="Arial"/>
+              <a:buChar char="•"/>
+            </a:pPr>
+            <a:r>
+              <a:rPr lang="en-US" dirty="0" smtClean="0"/>
+              <a:t>Master built and deployed to DEV nightly</a:t>
+            </a:r>
+          </a:p>
+          <a:p>
+            <a:pPr marL="571500" indent="-571500" algn="l">
+              <a:buFont typeface="Arial"/>
+              <a:buChar char="•"/>
+            </a:pPr>
+            <a:r>
+              <a:rPr lang="en-US" dirty="0" smtClean="0"/>
+              <a:t>Master built and deployed to QA twice a week</a:t>
+            </a:r>
+          </a:p>
+          <a:p>
+            <a:pPr marL="571500" indent="-571500" algn="l">
+              <a:buFont typeface="Arial"/>
+              <a:buChar char="•"/>
+            </a:pPr>
+            <a:r>
+              <a:rPr lang="en-US" dirty="0" smtClean="0"/>
+              <a:t>Email notification of QA deployments to developers, QE, and management team members</a:t>
+            </a:r>
             <a:endParaRPr lang="en-US" dirty="0"/>
           </a:p>
         </p:txBody>
@@ -4123,6 +4827,167 @@
       </p:par>
     </p:tnLst>
   </p:timing>
+</p:sld>
+</file>
+
+<file path=ppt/slides/slide3.xml><?xml version="1.0" encoding="utf-8"?>
+<p:sld xmlns:a="http://schemas.openxmlformats.org/drawingml/2006/main" xmlns:r="http://schemas.openxmlformats.org/officeDocument/2006/relationships" xmlns:p="http://schemas.openxmlformats.org/presentationml/2006/main">
+  <p:cSld>
+    <p:spTree>
+      <p:nvGrpSpPr>
+        <p:cNvPr id="1" name=""/>
+        <p:cNvGrpSpPr/>
+        <p:nvPr/>
+      </p:nvGrpSpPr>
+      <p:grpSpPr>
+        <a:xfrm>
+          <a:off x="0" y="0"/>
+          <a:ext cx="0" cy="0"/>
+          <a:chOff x="0" y="0"/>
+          <a:chExt cx="0" cy="0"/>
+        </a:xfrm>
+      </p:grpSpPr>
+      <p:sp>
+        <p:nvSpPr>
+          <p:cNvPr id="2" name="Title 1"/>
+          <p:cNvSpPr>
+            <a:spLocks noGrp="1"/>
+          </p:cNvSpPr>
+          <p:nvPr>
+            <p:ph type="title"/>
+          </p:nvPr>
+        </p:nvSpPr>
+        <p:spPr>
+          <a:xfrm>
+            <a:off x="457200" y="0"/>
+            <a:ext cx="8229600" cy="1066800"/>
+          </a:xfrm>
+        </p:spPr>
+        <p:txBody>
+          <a:bodyPr/>
+          <a:lstStyle/>
+          <a:p>
+            <a:r>
+              <a:rPr lang="en-US" dirty="0"/>
+              <a:t>HANDS-OFF CONTINUOUS BUILD, INTEGRATION &amp; DEPLOYMENT (cont’d)</a:t>
+            </a:r>
+          </a:p>
+        </p:txBody>
+      </p:sp>
+      <p:sp>
+        <p:nvSpPr>
+          <p:cNvPr id="4" name="Slide Number Placeholder 3"/>
+          <p:cNvSpPr>
+            <a:spLocks noGrp="1"/>
+          </p:cNvSpPr>
+          <p:nvPr>
+            <p:ph type="sldNum" sz="quarter" idx="10"/>
+          </p:nvPr>
+        </p:nvSpPr>
+        <p:spPr/>
+        <p:txBody>
+          <a:bodyPr/>
+          <a:lstStyle/>
+          <a:p>
+            <a:pPr>
+              <a:defRPr/>
+            </a:pPr>
+            <a:fld id="{E9C40F25-ACDD-E74B-AACB-E4F5CA901D37}" type="slidenum">
+              <a:rPr lang="en-US" smtClean="0"/>
+              <a:pPr>
+                <a:defRPr/>
+              </a:pPr>
+              <a:t>3</a:t>
+            </a:fld>
+            <a:endParaRPr lang="en-US" dirty="0"/>
+          </a:p>
+        </p:txBody>
+      </p:sp>
+      <p:sp>
+        <p:nvSpPr>
+          <p:cNvPr id="5" name="TextBox 4"/>
+          <p:cNvSpPr txBox="1"/>
+          <p:nvPr/>
+        </p:nvSpPr>
+        <p:spPr>
+          <a:xfrm>
+            <a:off x="457200" y="1371600"/>
+            <a:ext cx="8229600" cy="4876800"/>
+          </a:xfrm>
+          <a:prstGeom prst="rect">
+            <a:avLst/>
+          </a:prstGeom>
+          <a:noFill/>
+        </p:spPr>
+        <p:txBody>
+          <a:bodyPr wrap="square" rtlCol="0">
+            <a:normAutofit fontScale="92500" lnSpcReduction="20000"/>
+          </a:bodyPr>
+          <a:lstStyle/>
+          <a:p>
+            <a:pPr marL="571500" indent="-571500" algn="l">
+              <a:buFont typeface="Arial"/>
+              <a:buChar char="•"/>
+            </a:pPr>
+            <a:r>
+              <a:rPr lang="en-US" dirty="0" smtClean="0"/>
+              <a:t>Package naming using maven plugins was problematic</a:t>
+            </a:r>
+          </a:p>
+          <a:p>
+            <a:pPr marL="571500" indent="-571500" algn="l">
+              <a:buFont typeface="Arial"/>
+              <a:buChar char="•"/>
+            </a:pPr>
+            <a:r>
+              <a:rPr lang="en-US" dirty="0" smtClean="0"/>
+              <a:t>Still need to “close the loop” with integration test “gatekeepers”</a:t>
+            </a:r>
+          </a:p>
+          <a:p>
+            <a:pPr marL="1028700" lvl="1" indent="-571500" algn="l">
+              <a:buFont typeface="Arial"/>
+              <a:buChar char="•"/>
+            </a:pPr>
+            <a:r>
+              <a:rPr lang="en-US" dirty="0" smtClean="0"/>
+              <a:t>Unit test act as build gateway now, but no functional validation</a:t>
+            </a:r>
+          </a:p>
+          <a:p>
+            <a:pPr marL="571500" indent="-571500" algn="l">
+              <a:buFont typeface="Arial"/>
+              <a:buChar char="•"/>
+            </a:pPr>
+            <a:r>
+              <a:rPr lang="en-US" dirty="0" smtClean="0"/>
+              <a:t>No push-button deployment to Staging or Production</a:t>
+            </a:r>
+          </a:p>
+          <a:p>
+            <a:pPr marL="571500" indent="-571500" algn="l">
+              <a:buFont typeface="Arial"/>
+              <a:buChar char="•"/>
+            </a:pPr>
+            <a:r>
+              <a:rPr lang="en-US" dirty="0" smtClean="0"/>
+              <a:t>Need to automate schema migrations and validation</a:t>
+            </a:r>
+            <a:endParaRPr lang="en-US" dirty="0"/>
+          </a:p>
+        </p:txBody>
+      </p:sp>
+    </p:spTree>
+    <p:extLst>
+      <p:ext uri="{BB962C8B-B14F-4D97-AF65-F5344CB8AC3E}">
+        <p14:creationId xmlns:p14="http://schemas.microsoft.com/office/powerpoint/2010/main" val="3353593539"/>
+      </p:ext>
+    </p:extLst>
+  </p:cSld>
+  <p:clrMapOvr>
+    <a:masterClrMapping/>
+  </p:clrMapOvr>
+  <p:transition xmlns:p14="http://schemas.microsoft.com/office/powerpoint/2010/main"/>
 </p:sld>
 </file>
 
